--- a/visualisations/Presentation 4.pptx
+++ b/visualisations/Presentation 4.pptx
@@ -10402,36 +10402,6 @@
           </a:p>
         </p:txBody>
       </p:sp>
-      <p:pic>
-        <p:nvPicPr>
-          <p:cNvPr id="13" name="Picture 13" descr="Icon&#10;&#10;Description automatically generated">
-            <a:extLst>
-              <a:ext uri="{FF2B5EF4-FFF2-40B4-BE49-F238E27FC236}">
-                <a16:creationId xmlns:a16="http://schemas.microsoft.com/office/drawing/2014/main" id="{FC24CEF7-CE0A-0910-4058-8A1281FC813B}"/>
-              </a:ext>
-            </a:extLst>
-          </p:cNvPr>
-          <p:cNvPicPr>
-            <a:picLocks noChangeAspect="1"/>
-          </p:cNvPicPr>
-          <p:nvPr/>
-        </p:nvPicPr>
-        <p:blipFill>
-          <a:blip r:embed="rId2"/>
-          <a:stretch>
-            <a:fillRect/>
-          </a:stretch>
-        </p:blipFill>
-        <p:spPr>
-          <a:xfrm>
-            <a:off x="7963459" y="2840877"/>
-            <a:ext cx="1771650" cy="1771650"/>
-          </a:xfrm>
-          <a:prstGeom prst="rect">
-            <a:avLst/>
-          </a:prstGeom>
-        </p:spPr>
-      </p:pic>
     </p:spTree>
     <p:extLst>
       <p:ext uri="{BB962C8B-B14F-4D97-AF65-F5344CB8AC3E}">
@@ -10554,36 +10524,6 @@
           </a:p>
         </p:txBody>
       </p:sp>
-      <p:pic>
-        <p:nvPicPr>
-          <p:cNvPr id="4" name="Picture 4" descr="Blue Business Graph Free Stock Photo - Public Domain Pictures">
-            <a:extLst>
-              <a:ext uri="{FF2B5EF4-FFF2-40B4-BE49-F238E27FC236}">
-                <a16:creationId xmlns:a16="http://schemas.microsoft.com/office/drawing/2014/main" id="{D47B7250-23A3-A64D-2649-C878EFBA5518}"/>
-              </a:ext>
-            </a:extLst>
-          </p:cNvPr>
-          <p:cNvPicPr>
-            <a:picLocks noChangeAspect="1"/>
-          </p:cNvPicPr>
-          <p:nvPr/>
-        </p:nvPicPr>
-        <p:blipFill>
-          <a:blip r:embed="rId2"/>
-          <a:stretch>
-            <a:fillRect/>
-          </a:stretch>
-        </p:blipFill>
-        <p:spPr>
-          <a:xfrm>
-            <a:off x="3855887" y="379411"/>
-            <a:ext cx="2094198" cy="1461576"/>
-          </a:xfrm>
-          <a:prstGeom prst="rect">
-            <a:avLst/>
-          </a:prstGeom>
-        </p:spPr>
-      </p:pic>
     </p:spTree>
     <p:extLst>
       <p:ext uri="{BB962C8B-B14F-4D97-AF65-F5344CB8AC3E}">
@@ -10687,36 +10627,6 @@
           </a:p>
         </p:txBody>
       </p:sp>
-      <p:pic>
-        <p:nvPicPr>
-          <p:cNvPr id="4" name="Picture 4" descr="Logo&#10;&#10;Description automatically generated">
-            <a:extLst>
-              <a:ext uri="{FF2B5EF4-FFF2-40B4-BE49-F238E27FC236}">
-                <a16:creationId xmlns:a16="http://schemas.microsoft.com/office/drawing/2014/main" id="{DB113C50-4FB7-23CF-E8D7-BCF07A6BDD88}"/>
-              </a:ext>
-            </a:extLst>
-          </p:cNvPr>
-          <p:cNvPicPr>
-            <a:picLocks noChangeAspect="1"/>
-          </p:cNvPicPr>
-          <p:nvPr/>
-        </p:nvPicPr>
-        <p:blipFill>
-          <a:blip r:embed="rId2"/>
-          <a:stretch>
-            <a:fillRect/>
-          </a:stretch>
-        </p:blipFill>
-        <p:spPr>
-          <a:xfrm>
-            <a:off x="5379227" y="4727643"/>
-            <a:ext cx="2164663" cy="2034786"/>
-          </a:xfrm>
-          <a:prstGeom prst="rect">
-            <a:avLst/>
-          </a:prstGeom>
-        </p:spPr>
-      </p:pic>
     </p:spTree>
     <p:extLst>
       <p:ext uri="{BB962C8B-B14F-4D97-AF65-F5344CB8AC3E}">
@@ -11022,36 +10932,6 @@
           </a:p>
         </p:txBody>
       </p:sp>
-      <p:pic>
-        <p:nvPicPr>
-          <p:cNvPr id="4" name="Picture 4" descr="A picture containing clipart&#10;&#10;Description automatically generated">
-            <a:extLst>
-              <a:ext uri="{FF2B5EF4-FFF2-40B4-BE49-F238E27FC236}">
-                <a16:creationId xmlns:a16="http://schemas.microsoft.com/office/drawing/2014/main" id="{DD0F2485-EF39-780E-E874-450317E93EB7}"/>
-              </a:ext>
-            </a:extLst>
-          </p:cNvPr>
-          <p:cNvPicPr>
-            <a:picLocks noChangeAspect="1"/>
-          </p:cNvPicPr>
-          <p:nvPr/>
-        </p:nvPicPr>
-        <p:blipFill>
-          <a:blip r:embed="rId2"/>
-          <a:stretch>
-            <a:fillRect/>
-          </a:stretch>
-        </p:blipFill>
-        <p:spPr>
-          <a:xfrm>
-            <a:off x="4212937" y="4791549"/>
-            <a:ext cx="1771650" cy="1771650"/>
-          </a:xfrm>
-          <a:prstGeom prst="rect">
-            <a:avLst/>
-          </a:prstGeom>
-        </p:spPr>
-      </p:pic>
     </p:spTree>
     <p:extLst>
       <p:ext uri="{BB962C8B-B14F-4D97-AF65-F5344CB8AC3E}">
@@ -11148,101 +11028,6 @@
           </a:xfrm>
         </p:spPr>
       </p:pic>
-      <p:pic>
-        <p:nvPicPr>
-          <p:cNvPr id="5" name="Picture 5">
-            <a:extLst>
-              <a:ext uri="{FF2B5EF4-FFF2-40B4-BE49-F238E27FC236}">
-                <a16:creationId xmlns:a16="http://schemas.microsoft.com/office/drawing/2014/main" id="{E47D1B9B-F7C0-ABDD-9A0E-8DE1C50E8812}"/>
-              </a:ext>
-            </a:extLst>
-          </p:cNvPr>
-          <p:cNvPicPr>
-            <a:picLocks noChangeAspect="1"/>
-          </p:cNvPicPr>
-          <p:nvPr/>
-        </p:nvPicPr>
-        <p:blipFill>
-          <a:blip r:embed="rId3"/>
-          <a:stretch>
-            <a:fillRect/>
-          </a:stretch>
-        </p:blipFill>
-        <p:spPr>
-          <a:xfrm>
-            <a:off x="6715060" y="3719677"/>
-            <a:ext cx="2247597" cy="2079027"/>
-          </a:xfrm>
-          <a:prstGeom prst="rect">
-            <a:avLst/>
-          </a:prstGeom>
-        </p:spPr>
-      </p:pic>
-      <p:sp>
-        <p:nvSpPr>
-          <p:cNvPr id="6" name="TextBox 5">
-            <a:extLst>
-              <a:ext uri="{FF2B5EF4-FFF2-40B4-BE49-F238E27FC236}">
-                <a16:creationId xmlns:a16="http://schemas.microsoft.com/office/drawing/2014/main" id="{0AC94B5B-3D44-6D48-B38B-98230A5905A4}"/>
-              </a:ext>
-            </a:extLst>
-          </p:cNvPr>
-          <p:cNvSpPr txBox="1"/>
-          <p:nvPr/>
-        </p:nvSpPr>
-        <p:spPr>
-          <a:xfrm>
-            <a:off x="6828118" y="1688352"/>
-            <a:ext cx="2909270" cy="2031325"/>
-          </a:xfrm>
-          <a:prstGeom prst="rect">
-            <a:avLst/>
-          </a:prstGeom>
-          <a:noFill/>
-        </p:spPr>
-        <p:txBody>
-          <a:bodyPr rot="0" spcFirstLastPara="0" vertOverflow="overflow" horzOverflow="overflow" vert="horz" wrap="square" lIns="91440" tIns="45720" rIns="91440" bIns="45720" numCol="1" spcCol="0" rtlCol="0" fromWordArt="0" anchor="t" anchorCtr="0" forceAA="0" compatLnSpc="1">
-            <a:prstTxWarp prst="textNoShape">
-              <a:avLst/>
-            </a:prstTxWarp>
-            <a:spAutoFit/>
-          </a:bodyPr>
-          <a:lstStyle/>
-          <a:p>
-            <a:r>
-              <a:rPr lang="en-US" dirty="0">
-                <a:cs typeface="Calibri"/>
-              </a:rPr>
-              <a:t>When consulting extra sources to confirm the findings, we was able to come across </a:t>
-            </a:r>
-            <a:r>
-              <a:rPr lang="en-US" dirty="0" err="1">
-                <a:cs typeface="Calibri"/>
-              </a:rPr>
-              <a:t>Buzzwole</a:t>
-            </a:r>
-            <a:r>
-              <a:rPr lang="en-US" dirty="0">
-                <a:cs typeface="Calibri"/>
-              </a:rPr>
-              <a:t>, who visually fits the criteria of bug </a:t>
-            </a:r>
-            <a:r>
-              <a:rPr lang="en-US" dirty="0" err="1">
-                <a:cs typeface="Calibri"/>
-              </a:rPr>
-              <a:t>Pokemon</a:t>
-            </a:r>
-            <a:r>
-              <a:rPr lang="en-US" dirty="0">
-                <a:cs typeface="Calibri"/>
-              </a:rPr>
-              <a:t> with high fighting ability.</a:t>
-            </a:r>
-            <a:endParaRPr lang="en-US" dirty="0"/>
-          </a:p>
-        </p:txBody>
-      </p:sp>
     </p:spTree>
     <p:extLst>
       <p:ext uri="{BB962C8B-B14F-4D97-AF65-F5344CB8AC3E}">
